--- a/중간 발표.pptx
+++ b/중간 발표.pptx
@@ -133,7 +133,7 @@
 <file path=ppt/revisionInfo.xml><?xml version="1.0" encoding="utf-8"?>
 <p1510:revInfo xmlns:a="http://schemas.openxmlformats.org/drawingml/2006/main" xmlns:r="http://schemas.openxmlformats.org/officeDocument/2006/relationships" xmlns:p1510="http://schemas.microsoft.com/office/powerpoint/2015/10/main">
   <p1510:revLst>
-    <p1510:client id="{C6263AE8-44B9-418E-970B-782102A8990D}" v="26" dt="2019-05-28T12:27:18.323"/>
+    <p1510:client id="{C6263AE8-44B9-418E-970B-782102A8990D}" v="27" dt="2019-05-28T12:28:24.664"/>
   </p1510:revLst>
 </p1510:revInfo>
 </file>
@@ -1991,10 +1991,25 @@
   <pc:docChgLst>
     <pc:chgData name="김영찬" userId="a81591f0-1a4d-4c10-b0d3-35a306720c09" providerId="ADAL" clId="{C6263AE8-44B9-418E-970B-782102A8990D}"/>
     <pc:docChg chg="undo custSel addSld delSld modSld">
-      <pc:chgData name="김영찬" userId="a81591f0-1a4d-4c10-b0d3-35a306720c09" providerId="ADAL" clId="{C6263AE8-44B9-418E-970B-782102A8990D}" dt="2019-05-28T12:27:29.727" v="168" actId="404"/>
+      <pc:chgData name="김영찬" userId="a81591f0-1a4d-4c10-b0d3-35a306720c09" providerId="ADAL" clId="{C6263AE8-44B9-418E-970B-782102A8990D}" dt="2019-05-28T12:28:24.664" v="175"/>
       <pc:docMkLst>
         <pc:docMk/>
       </pc:docMkLst>
+      <pc:sldChg chg="modSp">
+        <pc:chgData name="김영찬" userId="a81591f0-1a4d-4c10-b0d3-35a306720c09" providerId="ADAL" clId="{C6263AE8-44B9-418E-970B-782102A8990D}" dt="2019-05-28T12:28:24.664" v="175"/>
+        <pc:sldMkLst>
+          <pc:docMk/>
+          <pc:sldMk cId="3255533136" sldId="256"/>
+        </pc:sldMkLst>
+        <pc:spChg chg="mod">
+          <ac:chgData name="김영찬" userId="a81591f0-1a4d-4c10-b0d3-35a306720c09" providerId="ADAL" clId="{C6263AE8-44B9-418E-970B-782102A8990D}" dt="2019-05-28T12:28:24.664" v="175"/>
+          <ac:spMkLst>
+            <pc:docMk/>
+            <pc:sldMk cId="3255533136" sldId="256"/>
+            <ac:spMk id="2" creationId="{C886721D-0E80-4306-9F4C-3FAA6FE50BE6}"/>
+          </ac:spMkLst>
+        </pc:spChg>
+      </pc:sldChg>
       <pc:sldChg chg="modSp">
         <pc:chgData name="김영찬" userId="a81591f0-1a4d-4c10-b0d3-35a306720c09" providerId="ADAL" clId="{C6263AE8-44B9-418E-970B-782102A8990D}" dt="2019-05-28T12:27:29.727" v="168" actId="404"/>
         <pc:sldMkLst>
@@ -8011,7 +8026,7 @@
               <a:t> 프로젝트 </a:t>
             </a:r>
             <a:r>
-              <a:rPr lang="en-US" altLang="ko-KR" sz="2800" b="0" dirty="0">
+              <a:rPr lang="en-US" altLang="ko-KR" sz="2800" b="0">
                 <a:solidFill>
                   <a:schemeClr val="bg1"/>
                 </a:solidFill>
@@ -8019,12 +8034,20 @@
               <a:t>– </a:t>
             </a:r>
             <a:r>
+              <a:rPr lang="ko-KR" altLang="en-US" sz="2800" b="0">
+                <a:solidFill>
+                  <a:schemeClr val="bg1"/>
+                </a:solidFill>
+              </a:rPr>
+              <a:t>중간 </a:t>
+            </a:r>
+            <a:r>
               <a:rPr lang="ko-KR" altLang="en-US" sz="2800" b="0" dirty="0">
                 <a:solidFill>
                   <a:schemeClr val="bg1"/>
                 </a:solidFill>
               </a:rPr>
-              <a:t>기획 발표</a:t>
+              <a:t>발표</a:t>
             </a:r>
             <a:endParaRPr lang="ko-KR" altLang="en-US" sz="3600" b="0" dirty="0">
               <a:solidFill>
